--- a/weather for predicting airport configuration.pptx
+++ b/weather for predicting airport configuration.pptx
@@ -15,6 +15,17 @@
     <p:sldId id="265" r:id="rId9"/>
     <p:sldId id="262" r:id="rId10"/>
     <p:sldId id="264" r:id="rId11"/>
+    <p:sldId id="268" r:id="rId12"/>
+    <p:sldId id="269" r:id="rId13"/>
+    <p:sldId id="270" r:id="rId14"/>
+    <p:sldId id="271" r:id="rId15"/>
+    <p:sldId id="273" r:id="rId16"/>
+    <p:sldId id="275" r:id="rId17"/>
+    <p:sldId id="276" r:id="rId18"/>
+    <p:sldId id="274" r:id="rId19"/>
+    <p:sldId id="277" r:id="rId20"/>
+    <p:sldId id="278" r:id="rId21"/>
+    <p:sldId id="279" r:id="rId22"/>
   </p:sldIdLst>
   <p:sldSz cx="12192000" cy="6858000"/>
   <p:notesSz cx="6858000" cy="9144000"/>
@@ -124,6 +135,7 @@
 <file path=ppt/revisionInfo.xml><?xml version="1.0" encoding="utf-8"?>
 <p1510:revInfo xmlns:a="http://schemas.openxmlformats.org/drawingml/2006/main" xmlns:r="http://schemas.openxmlformats.org/officeDocument/2006/relationships" xmlns:p1510="http://schemas.microsoft.com/office/powerpoint/2015/10/main">
   <p1510:revLst>
+    <p1510:client id="{00B90B74-A36D-4438-FC30-7838D02803EC}" v="612" dt="2022-04-02T06:24:32.805"/>
     <p1510:client id="{14C028A8-E53B-7A62-8E5E-0C07B352AC7E}" v="121" dt="2022-03-22T02:25:11.062"/>
     <p1510:client id="{334DDD40-7E5F-0971-0B5A-530C61A4CFB3}" v="139" dt="2022-03-24T16:15:13.301"/>
     <p1510:client id="{4ABFE76F-93ED-D814-8AC9-319EAB96B435}" v="254" dt="2022-03-20T19:22:33.992"/>
@@ -272,7 +284,7 @@
           <a:p>
             <a:fld id="{846CE7D5-CF57-46EF-B807-FDD0502418D4}" type="datetimeFigureOut">
               <a:rPr lang="en-US" smtClean="0"/>
-              <a:t>3/24/2022</a:t>
+              <a:t>4/28/22</a:t>
             </a:fld>
             <a:endParaRPr lang="en-US"/>
           </a:p>
@@ -442,7 +454,7 @@
           <a:p>
             <a:fld id="{846CE7D5-CF57-46EF-B807-FDD0502418D4}" type="datetimeFigureOut">
               <a:rPr lang="en-US" smtClean="0"/>
-              <a:t>3/24/2022</a:t>
+              <a:t>4/28/22</a:t>
             </a:fld>
             <a:endParaRPr lang="en-US"/>
           </a:p>
@@ -622,7 +634,7 @@
           <a:p>
             <a:fld id="{846CE7D5-CF57-46EF-B807-FDD0502418D4}" type="datetimeFigureOut">
               <a:rPr lang="en-US" smtClean="0"/>
-              <a:t>3/24/2022</a:t>
+              <a:t>4/28/22</a:t>
             </a:fld>
             <a:endParaRPr lang="en-US"/>
           </a:p>
@@ -792,7 +804,7 @@
           <a:p>
             <a:fld id="{846CE7D5-CF57-46EF-B807-FDD0502418D4}" type="datetimeFigureOut">
               <a:rPr lang="en-US" smtClean="0"/>
-              <a:t>3/24/2022</a:t>
+              <a:t>4/28/22</a:t>
             </a:fld>
             <a:endParaRPr lang="en-US"/>
           </a:p>
@@ -1038,7 +1050,7 @@
           <a:p>
             <a:fld id="{846CE7D5-CF57-46EF-B807-FDD0502418D4}" type="datetimeFigureOut">
               <a:rPr lang="en-US" smtClean="0"/>
-              <a:t>3/24/2022</a:t>
+              <a:t>4/28/22</a:t>
             </a:fld>
             <a:endParaRPr lang="en-US"/>
           </a:p>
@@ -1270,7 +1282,7 @@
           <a:p>
             <a:fld id="{846CE7D5-CF57-46EF-B807-FDD0502418D4}" type="datetimeFigureOut">
               <a:rPr lang="en-US" smtClean="0"/>
-              <a:t>3/24/2022</a:t>
+              <a:t>4/28/22</a:t>
             </a:fld>
             <a:endParaRPr lang="en-US"/>
           </a:p>
@@ -1637,7 +1649,7 @@
           <a:p>
             <a:fld id="{846CE7D5-CF57-46EF-B807-FDD0502418D4}" type="datetimeFigureOut">
               <a:rPr lang="en-US" smtClean="0"/>
-              <a:t>3/24/2022</a:t>
+              <a:t>4/28/22</a:t>
             </a:fld>
             <a:endParaRPr lang="en-US"/>
           </a:p>
@@ -1755,7 +1767,7 @@
           <a:p>
             <a:fld id="{846CE7D5-CF57-46EF-B807-FDD0502418D4}" type="datetimeFigureOut">
               <a:rPr lang="en-US" smtClean="0"/>
-              <a:t>3/24/2022</a:t>
+              <a:t>4/28/22</a:t>
             </a:fld>
             <a:endParaRPr lang="en-US"/>
           </a:p>
@@ -1850,7 +1862,7 @@
           <a:p>
             <a:fld id="{846CE7D5-CF57-46EF-B807-FDD0502418D4}" type="datetimeFigureOut">
               <a:rPr lang="en-US" smtClean="0"/>
-              <a:t>3/24/2022</a:t>
+              <a:t>4/28/22</a:t>
             </a:fld>
             <a:endParaRPr lang="en-US"/>
           </a:p>
@@ -2127,7 +2139,7 @@
           <a:p>
             <a:fld id="{846CE7D5-CF57-46EF-B807-FDD0502418D4}" type="datetimeFigureOut">
               <a:rPr lang="en-US" smtClean="0"/>
-              <a:t>3/24/2022</a:t>
+              <a:t>4/28/22</a:t>
             </a:fld>
             <a:endParaRPr lang="en-US"/>
           </a:p>
@@ -2384,7 +2396,7 @@
           <a:p>
             <a:fld id="{846CE7D5-CF57-46EF-B807-FDD0502418D4}" type="datetimeFigureOut">
               <a:rPr lang="en-US" smtClean="0"/>
-              <a:t>3/24/2022</a:t>
+              <a:t>4/28/22</a:t>
             </a:fld>
             <a:endParaRPr lang="en-US"/>
           </a:p>
@@ -2597,7 +2609,7 @@
           <a:p>
             <a:fld id="{846CE7D5-CF57-46EF-B807-FDD0502418D4}" type="datetimeFigureOut">
               <a:rPr lang="en-US" smtClean="0"/>
-              <a:t>3/24/2022</a:t>
+              <a:t>4/28/22</a:t>
             </a:fld>
             <a:endParaRPr lang="en-US"/>
           </a:p>
@@ -3432,6 +3444,1802 @@
 </p:sld>
 </file>
 
+<file path=ppt/slides/slide11.xml><?xml version="1.0" encoding="utf-8"?>
+<p:sld xmlns:a="http://schemas.openxmlformats.org/drawingml/2006/main" xmlns:r="http://schemas.openxmlformats.org/officeDocument/2006/relationships" xmlns:p="http://schemas.openxmlformats.org/presentationml/2006/main">
+  <p:cSld>
+    <p:spTree>
+      <p:nvGrpSpPr>
+        <p:cNvPr id="1" name=""/>
+        <p:cNvGrpSpPr/>
+        <p:nvPr/>
+      </p:nvGrpSpPr>
+      <p:grpSpPr>
+        <a:xfrm>
+          <a:off x="0" y="0"/>
+          <a:ext cx="0" cy="0"/>
+          <a:chOff x="0" y="0"/>
+          <a:chExt cx="0" cy="0"/>
+        </a:xfrm>
+      </p:grpSpPr>
+      <p:sp>
+        <p:nvSpPr>
+          <p:cNvPr id="2" name="Title 1">
+            <a:extLst>
+              <a:ext uri="{FF2B5EF4-FFF2-40B4-BE49-F238E27FC236}">
+                <a16:creationId xmlns:a16="http://schemas.microsoft.com/office/drawing/2014/main" id="{C81F0502-0415-B4F2-FC11-280783E6EF60}"/>
+              </a:ext>
+            </a:extLst>
+          </p:cNvPr>
+          <p:cNvSpPr>
+            <a:spLocks noGrp="1"/>
+          </p:cNvSpPr>
+          <p:nvPr>
+            <p:ph type="title"/>
+          </p:nvPr>
+        </p:nvSpPr>
+        <p:spPr>
+          <a:xfrm>
+            <a:off x="838200" y="2764987"/>
+            <a:ext cx="10515600" cy="1325563"/>
+          </a:xfrm>
+        </p:spPr>
+        <p:txBody>
+          <a:bodyPr/>
+          <a:lstStyle/>
+          <a:p>
+            <a:r>
+              <a:rPr lang="en-US" dirty="0">
+                <a:cs typeface="Calibri Light"/>
+              </a:rPr>
+              <a:t>Current progress – Last Updated April 2 2022 (</a:t>
+            </a:r>
+            <a:r>
+              <a:rPr lang="en-US" u="sng" dirty="0">
+                <a:cs typeface="Calibri Light"/>
+              </a:rPr>
+              <a:t>20</a:t>
+            </a:r>
+            <a:r>
+              <a:rPr lang="en-US" dirty="0">
+                <a:cs typeface="Calibri Light"/>
+              </a:rPr>
+              <a:t> days from competition due date)</a:t>
+            </a:r>
+            <a:endParaRPr lang="en-US" dirty="0"/>
+          </a:p>
+        </p:txBody>
+      </p:sp>
+    </p:spTree>
+    <p:extLst>
+      <p:ext uri="{BB962C8B-B14F-4D97-AF65-F5344CB8AC3E}">
+        <p14:creationId xmlns:p14="http://schemas.microsoft.com/office/powerpoint/2010/main" val="3693516555"/>
+      </p:ext>
+    </p:extLst>
+  </p:cSld>
+  <p:clrMapOvr>
+    <a:masterClrMapping/>
+  </p:clrMapOvr>
+</p:sld>
+</file>
+
+<file path=ppt/slides/slide12.xml><?xml version="1.0" encoding="utf-8"?>
+<p:sld xmlns:a="http://schemas.openxmlformats.org/drawingml/2006/main" xmlns:r="http://schemas.openxmlformats.org/officeDocument/2006/relationships" xmlns:p="http://schemas.openxmlformats.org/presentationml/2006/main">
+  <p:cSld>
+    <p:spTree>
+      <p:nvGrpSpPr>
+        <p:cNvPr id="1" name=""/>
+        <p:cNvGrpSpPr/>
+        <p:nvPr/>
+      </p:nvGrpSpPr>
+      <p:grpSpPr>
+        <a:xfrm>
+          <a:off x="0" y="0"/>
+          <a:ext cx="0" cy="0"/>
+          <a:chOff x="0" y="0"/>
+          <a:chExt cx="0" cy="0"/>
+        </a:xfrm>
+      </p:grpSpPr>
+      <p:sp>
+        <p:nvSpPr>
+          <p:cNvPr id="2" name="Title 1">
+            <a:extLst>
+              <a:ext uri="{FF2B5EF4-FFF2-40B4-BE49-F238E27FC236}">
+                <a16:creationId xmlns:a16="http://schemas.microsoft.com/office/drawing/2014/main" id="{A11434E0-DCD0-4616-A762-7A21BEA6A9F8}"/>
+              </a:ext>
+            </a:extLst>
+          </p:cNvPr>
+          <p:cNvSpPr>
+            <a:spLocks noGrp="1"/>
+          </p:cNvSpPr>
+          <p:nvPr>
+            <p:ph type="title"/>
+          </p:nvPr>
+        </p:nvSpPr>
+        <p:spPr/>
+        <p:txBody>
+          <a:bodyPr/>
+          <a:lstStyle/>
+          <a:p>
+            <a:r>
+              <a:rPr lang="en-US" dirty="0">
+                <a:cs typeface="Calibri Light"/>
+              </a:rPr>
+              <a:t>Current training architecture</a:t>
+            </a:r>
+            <a:endParaRPr lang="en-US" dirty="0"/>
+          </a:p>
+        </p:txBody>
+      </p:sp>
+      <p:pic>
+        <p:nvPicPr>
+          <p:cNvPr id="4" name="Picture 4">
+            <a:extLst>
+              <a:ext uri="{FF2B5EF4-FFF2-40B4-BE49-F238E27FC236}">
+                <a16:creationId xmlns:a16="http://schemas.microsoft.com/office/drawing/2014/main" id="{72FB475B-8539-EEB4-C252-C0D3B4EA6A9A}"/>
+              </a:ext>
+            </a:extLst>
+          </p:cNvPr>
+          <p:cNvPicPr>
+            <a:picLocks noGrp="1" noChangeAspect="1"/>
+          </p:cNvPicPr>
+          <p:nvPr>
+            <p:ph idx="1"/>
+          </p:nvPr>
+        </p:nvPicPr>
+        <p:blipFill>
+          <a:blip r:embed="rId2"/>
+          <a:stretch>
+            <a:fillRect/>
+          </a:stretch>
+        </p:blipFill>
+        <p:spPr>
+          <a:xfrm>
+            <a:off x="2597550" y="1825625"/>
+            <a:ext cx="6996900" cy="4351338"/>
+          </a:xfrm>
+        </p:spPr>
+      </p:pic>
+    </p:spTree>
+    <p:extLst>
+      <p:ext uri="{BB962C8B-B14F-4D97-AF65-F5344CB8AC3E}">
+        <p14:creationId xmlns:p14="http://schemas.microsoft.com/office/powerpoint/2010/main" val="661407273"/>
+      </p:ext>
+    </p:extLst>
+  </p:cSld>
+  <p:clrMapOvr>
+    <a:masterClrMapping/>
+  </p:clrMapOvr>
+</p:sld>
+</file>
+
+<file path=ppt/slides/slide13.xml><?xml version="1.0" encoding="utf-8"?>
+<p:sld xmlns:a="http://schemas.openxmlformats.org/drawingml/2006/main" xmlns:r="http://schemas.openxmlformats.org/officeDocument/2006/relationships" xmlns:p="http://schemas.openxmlformats.org/presentationml/2006/main">
+  <p:cSld>
+    <p:spTree>
+      <p:nvGrpSpPr>
+        <p:cNvPr id="1" name=""/>
+        <p:cNvGrpSpPr/>
+        <p:nvPr/>
+      </p:nvGrpSpPr>
+      <p:grpSpPr>
+        <a:xfrm>
+          <a:off x="0" y="0"/>
+          <a:ext cx="0" cy="0"/>
+          <a:chOff x="0" y="0"/>
+          <a:chExt cx="0" cy="0"/>
+        </a:xfrm>
+      </p:grpSpPr>
+      <p:sp>
+        <p:nvSpPr>
+          <p:cNvPr id="2" name="Title 1">
+            <a:extLst>
+              <a:ext uri="{FF2B5EF4-FFF2-40B4-BE49-F238E27FC236}">
+                <a16:creationId xmlns:a16="http://schemas.microsoft.com/office/drawing/2014/main" id="{680B501D-6BE6-733A-CAE9-EA2F3289261D}"/>
+              </a:ext>
+            </a:extLst>
+          </p:cNvPr>
+          <p:cNvSpPr>
+            <a:spLocks noGrp="1"/>
+          </p:cNvSpPr>
+          <p:nvPr>
+            <p:ph type="title"/>
+          </p:nvPr>
+        </p:nvSpPr>
+        <p:spPr/>
+        <p:txBody>
+          <a:bodyPr/>
+          <a:lstStyle/>
+          <a:p>
+            <a:r>
+              <a:rPr lang="en-US" dirty="0">
+                <a:cs typeface="Calibri Light"/>
+              </a:rPr>
+              <a:t>Current testing architecture</a:t>
+            </a:r>
+            <a:endParaRPr lang="en-US" dirty="0"/>
+          </a:p>
+        </p:txBody>
+      </p:sp>
+      <p:pic>
+        <p:nvPicPr>
+          <p:cNvPr id="4" name="Picture 4" descr="Diagram&#10;&#10;Description automatically generated">
+            <a:extLst>
+              <a:ext uri="{FF2B5EF4-FFF2-40B4-BE49-F238E27FC236}">
+                <a16:creationId xmlns:a16="http://schemas.microsoft.com/office/drawing/2014/main" id="{07F32F29-ECA5-952B-8503-A9FEBBC46F3F}"/>
+              </a:ext>
+            </a:extLst>
+          </p:cNvPr>
+          <p:cNvPicPr>
+            <a:picLocks noGrp="1" noChangeAspect="1"/>
+          </p:cNvPicPr>
+          <p:nvPr>
+            <p:ph idx="1"/>
+          </p:nvPr>
+        </p:nvPicPr>
+        <p:blipFill>
+          <a:blip r:embed="rId2"/>
+          <a:stretch>
+            <a:fillRect/>
+          </a:stretch>
+        </p:blipFill>
+        <p:spPr>
+          <a:xfrm>
+            <a:off x="1890840" y="1825625"/>
+            <a:ext cx="8410320" cy="4351338"/>
+          </a:xfrm>
+        </p:spPr>
+      </p:pic>
+    </p:spTree>
+    <p:extLst>
+      <p:ext uri="{BB962C8B-B14F-4D97-AF65-F5344CB8AC3E}">
+        <p14:creationId xmlns:p14="http://schemas.microsoft.com/office/powerpoint/2010/main" val="693022445"/>
+      </p:ext>
+    </p:extLst>
+  </p:cSld>
+  <p:clrMapOvr>
+    <a:masterClrMapping/>
+  </p:clrMapOvr>
+</p:sld>
+</file>
+
+<file path=ppt/slides/slide14.xml><?xml version="1.0" encoding="utf-8"?>
+<p:sld xmlns:a="http://schemas.openxmlformats.org/drawingml/2006/main" xmlns:r="http://schemas.openxmlformats.org/officeDocument/2006/relationships" xmlns:p="http://schemas.openxmlformats.org/presentationml/2006/main">
+  <p:cSld>
+    <p:spTree>
+      <p:nvGrpSpPr>
+        <p:cNvPr id="1" name=""/>
+        <p:cNvGrpSpPr/>
+        <p:nvPr/>
+      </p:nvGrpSpPr>
+      <p:grpSpPr>
+        <a:xfrm>
+          <a:off x="0" y="0"/>
+          <a:ext cx="0" cy="0"/>
+          <a:chOff x="0" y="0"/>
+          <a:chExt cx="0" cy="0"/>
+        </a:xfrm>
+      </p:grpSpPr>
+      <p:sp>
+        <p:nvSpPr>
+          <p:cNvPr id="2" name="Title 1">
+            <a:extLst>
+              <a:ext uri="{FF2B5EF4-FFF2-40B4-BE49-F238E27FC236}">
+                <a16:creationId xmlns:a16="http://schemas.microsoft.com/office/drawing/2014/main" id="{D5A092CC-E21F-CD91-36D1-86EBE3CC6D4B}"/>
+              </a:ext>
+            </a:extLst>
+          </p:cNvPr>
+          <p:cNvSpPr>
+            <a:spLocks noGrp="1"/>
+          </p:cNvSpPr>
+          <p:nvPr>
+            <p:ph type="title"/>
+          </p:nvPr>
+        </p:nvSpPr>
+        <p:spPr/>
+        <p:txBody>
+          <a:bodyPr/>
+          <a:lstStyle/>
+          <a:p>
+            <a:r>
+              <a:rPr lang="en-US" dirty="0">
+                <a:cs typeface="Calibri Light"/>
+              </a:rPr>
+              <a:t>Tasks – last updated April 2</a:t>
+            </a:r>
+            <a:endParaRPr lang="en-US" dirty="0"/>
+          </a:p>
+        </p:txBody>
+      </p:sp>
+      <p:sp>
+        <p:nvSpPr>
+          <p:cNvPr id="3" name="Content Placeholder 2">
+            <a:extLst>
+              <a:ext uri="{FF2B5EF4-FFF2-40B4-BE49-F238E27FC236}">
+                <a16:creationId xmlns:a16="http://schemas.microsoft.com/office/drawing/2014/main" id="{663F2C10-F747-2F1B-D1BC-6F8916E9FEC1}"/>
+              </a:ext>
+            </a:extLst>
+          </p:cNvPr>
+          <p:cNvSpPr>
+            <a:spLocks noGrp="1"/>
+          </p:cNvSpPr>
+          <p:nvPr>
+            <p:ph idx="1"/>
+          </p:nvPr>
+        </p:nvSpPr>
+        <p:spPr/>
+        <p:txBody>
+          <a:bodyPr vert="horz" lIns="91440" tIns="45720" rIns="91440" bIns="45720" rtlCol="0" anchor="t">
+            <a:normAutofit fontScale="70000" lnSpcReduction="20000"/>
+          </a:bodyPr>
+          <a:lstStyle/>
+          <a:p>
+            <a:r>
+              <a:rPr lang="en-US" dirty="0">
+                <a:cs typeface="Calibri"/>
+              </a:rPr>
+              <a:t>Training (in progress):</a:t>
+            </a:r>
+          </a:p>
+          <a:p>
+            <a:pPr lvl="1"/>
+            <a:r>
+              <a:rPr lang="en-US" dirty="0">
+                <a:cs typeface="Calibri"/>
+              </a:rPr>
+              <a:t>Usage preprocess for aircraft departure and arrival data -- </a:t>
+            </a:r>
+            <a:r>
+              <a:rPr lang="en-US" dirty="0">
+                <a:solidFill>
+                  <a:srgbClr val="00B050"/>
+                </a:solidFill>
+                <a:cs typeface="Calibri"/>
+              </a:rPr>
+              <a:t>Complete</a:t>
+            </a:r>
+          </a:p>
+          <a:p>
+            <a:pPr lvl="1"/>
+            <a:r>
+              <a:rPr lang="en-US" dirty="0">
+                <a:cs typeface="Calibri"/>
+              </a:rPr>
+              <a:t>Preprocessing for Logistic Regression -- </a:t>
+            </a:r>
+            <a:r>
+              <a:rPr lang="en-US" dirty="0">
+                <a:solidFill>
+                  <a:srgbClr val="00B050"/>
+                </a:solidFill>
+                <a:cs typeface="Calibri"/>
+              </a:rPr>
+              <a:t>Complete </a:t>
+            </a:r>
+            <a:r>
+              <a:rPr lang="en-US" dirty="0">
+                <a:cs typeface="Calibri"/>
+              </a:rPr>
+              <a:t>(</a:t>
+            </a:r>
+            <a:r>
+              <a:rPr lang="en-US" dirty="0">
+                <a:solidFill>
+                  <a:srgbClr val="FFC000"/>
+                </a:solidFill>
+                <a:cs typeface="Calibri"/>
+              </a:rPr>
+              <a:t>UPDATE in progress</a:t>
+            </a:r>
+            <a:r>
+              <a:rPr lang="en-US" dirty="0">
+                <a:cs typeface="Calibri"/>
+              </a:rPr>
+              <a:t>: implement </a:t>
+            </a:r>
+            <a:r>
+              <a:rPr lang="en-US" dirty="0" err="1">
+                <a:cs typeface="Calibri"/>
+              </a:rPr>
+              <a:t>Lyod</a:t>
+            </a:r>
+            <a:r>
+              <a:rPr lang="en-US" dirty="0">
+                <a:cs typeface="Calibri"/>
+              </a:rPr>
+              <a:t> White </a:t>
+            </a:r>
+            <a:r>
+              <a:rPr lang="en-US" dirty="0" err="1">
+                <a:cs typeface="Calibri"/>
+              </a:rPr>
+              <a:t>sin_cos</a:t>
+            </a:r>
+            <a:r>
+              <a:rPr lang="en-US" dirty="0">
+                <a:cs typeface="Calibri"/>
+              </a:rPr>
+              <a:t> approach for </a:t>
+            </a:r>
+            <a:r>
+              <a:rPr lang="en-US" dirty="0" err="1">
+                <a:cs typeface="Calibri"/>
+              </a:rPr>
+              <a:t>wind_direction</a:t>
+            </a:r>
+            <a:r>
+              <a:rPr lang="en-US" dirty="0">
+                <a:cs typeface="Calibri"/>
+              </a:rPr>
+              <a:t> angles: 0 – 360 degrees is not linear as 0 == 360. Map to 2D using sin(x) cos(x))</a:t>
+            </a:r>
+          </a:p>
+          <a:p>
+            <a:pPr lvl="1"/>
+            <a:r>
+              <a:rPr lang="en-US" dirty="0">
+                <a:cs typeface="Calibri"/>
+              </a:rPr>
+              <a:t>Logistic Regression with Sci-kit learn – </a:t>
+            </a:r>
+            <a:r>
+              <a:rPr lang="en-US" dirty="0">
+                <a:solidFill>
+                  <a:srgbClr val="FFC000"/>
+                </a:solidFill>
+                <a:cs typeface="Calibri"/>
+              </a:rPr>
+              <a:t>in progress</a:t>
+            </a:r>
+            <a:r>
+              <a:rPr lang="en-US" dirty="0">
+                <a:cs typeface="Calibri"/>
+              </a:rPr>
+              <a:t> (</a:t>
+            </a:r>
+            <a:r>
+              <a:rPr lang="en-US" dirty="0" err="1">
+                <a:cs typeface="Calibri"/>
+              </a:rPr>
+              <a:t>testing+debugging</a:t>
+            </a:r>
+            <a:r>
+              <a:rPr lang="en-US" dirty="0">
+                <a:cs typeface="Calibri"/>
+              </a:rPr>
+              <a:t>)</a:t>
+            </a:r>
+          </a:p>
+          <a:p>
+            <a:pPr lvl="1"/>
+            <a:r>
+              <a:rPr lang="en-US" dirty="0" err="1">
+                <a:cs typeface="Calibri"/>
+              </a:rPr>
+              <a:t>XGBoosting</a:t>
+            </a:r>
+            <a:r>
+              <a:rPr lang="en-US" dirty="0">
+                <a:cs typeface="Calibri"/>
+              </a:rPr>
+              <a:t> – </a:t>
+            </a:r>
+            <a:r>
+              <a:rPr lang="en-US" dirty="0" err="1">
+                <a:solidFill>
+                  <a:srgbClr val="FF0000"/>
+                </a:solidFill>
+                <a:cs typeface="Calibri"/>
+              </a:rPr>
+              <a:t>todo</a:t>
+            </a:r>
+            <a:endParaRPr lang="en-US">
+              <a:solidFill>
+                <a:srgbClr val="FF0000"/>
+              </a:solidFill>
+              <a:cs typeface="Calibri"/>
+            </a:endParaRPr>
+          </a:p>
+          <a:p>
+            <a:pPr lvl="2"/>
+            <a:r>
+              <a:rPr lang="en-US" dirty="0">
+                <a:ea typeface="+mn-lt"/>
+                <a:cs typeface="+mn-lt"/>
+              </a:rPr>
+              <a:t>Submit request for </a:t>
+            </a:r>
+            <a:r>
+              <a:rPr lang="en-US" dirty="0" err="1">
+                <a:ea typeface="+mn-lt"/>
+                <a:cs typeface="+mn-lt"/>
+              </a:rPr>
+              <a:t>XGBoost</a:t>
+            </a:r>
+            <a:r>
+              <a:rPr lang="en-US" dirty="0">
+                <a:ea typeface="+mn-lt"/>
+                <a:cs typeface="+mn-lt"/>
+              </a:rPr>
+              <a:t> python package to NASA -- </a:t>
+            </a:r>
+            <a:r>
+              <a:rPr lang="en-US" dirty="0" err="1">
+                <a:solidFill>
+                  <a:srgbClr val="FF0000"/>
+                </a:solidFill>
+                <a:ea typeface="+mn-lt"/>
+                <a:cs typeface="+mn-lt"/>
+              </a:rPr>
+              <a:t>todo</a:t>
+            </a:r>
+            <a:endParaRPr lang="en-US" dirty="0" err="1">
+              <a:solidFill>
+                <a:srgbClr val="FF0000"/>
+              </a:solidFill>
+              <a:cs typeface="Calibri"/>
+            </a:endParaRPr>
+          </a:p>
+          <a:p>
+            <a:r>
+              <a:rPr lang="en-US" dirty="0">
+                <a:cs typeface="Calibri"/>
+              </a:rPr>
+              <a:t>Testing (</a:t>
+            </a:r>
+            <a:r>
+              <a:rPr lang="en-US" dirty="0" err="1">
+                <a:solidFill>
+                  <a:srgbClr val="FF0000"/>
+                </a:solidFill>
+                <a:cs typeface="Calibri"/>
+              </a:rPr>
+              <a:t>todo</a:t>
+            </a:r>
+            <a:r>
+              <a:rPr lang="en-US" dirty="0">
+                <a:cs typeface="Calibri"/>
+              </a:rPr>
+              <a:t>)</a:t>
+            </a:r>
+          </a:p>
+          <a:p>
+            <a:pPr lvl="1"/>
+            <a:r>
+              <a:rPr lang="en-US" dirty="0">
+                <a:cs typeface="Calibri"/>
+              </a:rPr>
+              <a:t>Usage preprocess for aircraft departure and arrival – </a:t>
+            </a:r>
+            <a:r>
+              <a:rPr lang="en-US" dirty="0" err="1">
+                <a:solidFill>
+                  <a:srgbClr val="FF0000"/>
+                </a:solidFill>
+                <a:cs typeface="Calibri"/>
+              </a:rPr>
+              <a:t>todo</a:t>
+            </a:r>
+            <a:endParaRPr lang="en-US">
+              <a:solidFill>
+                <a:srgbClr val="FF0000"/>
+              </a:solidFill>
+              <a:cs typeface="Calibri"/>
+            </a:endParaRPr>
+          </a:p>
+          <a:p>
+            <a:pPr lvl="1"/>
+            <a:r>
+              <a:rPr lang="en-US" dirty="0">
+                <a:cs typeface="Calibri"/>
+              </a:rPr>
+              <a:t>Preprocess for model fitting – </a:t>
+            </a:r>
+            <a:r>
+              <a:rPr lang="en-US" dirty="0" err="1">
+                <a:solidFill>
+                  <a:srgbClr val="FF0000"/>
+                </a:solidFill>
+                <a:cs typeface="Calibri"/>
+              </a:rPr>
+              <a:t>todo</a:t>
+            </a:r>
+            <a:endParaRPr lang="en-US">
+              <a:solidFill>
+                <a:srgbClr val="FF0000"/>
+              </a:solidFill>
+              <a:cs typeface="Calibri"/>
+            </a:endParaRPr>
+          </a:p>
+          <a:p>
+            <a:pPr lvl="1"/>
+            <a:r>
+              <a:rPr lang="en-US" dirty="0">
+                <a:cs typeface="Calibri"/>
+              </a:rPr>
+              <a:t>Collect data and verification – </a:t>
+            </a:r>
+            <a:r>
+              <a:rPr lang="en-US" dirty="0" err="1">
+                <a:solidFill>
+                  <a:srgbClr val="FF0000"/>
+                </a:solidFill>
+                <a:cs typeface="Calibri"/>
+              </a:rPr>
+              <a:t>todo</a:t>
+            </a:r>
+            <a:endParaRPr lang="en-US">
+              <a:solidFill>
+                <a:srgbClr val="FF0000"/>
+              </a:solidFill>
+              <a:cs typeface="Calibri"/>
+            </a:endParaRPr>
+          </a:p>
+          <a:p>
+            <a:r>
+              <a:rPr lang="en-US" dirty="0">
+                <a:ea typeface="+mn-lt"/>
+                <a:cs typeface="+mn-lt"/>
+              </a:rPr>
+              <a:t>Deploy (</a:t>
+            </a:r>
+            <a:r>
+              <a:rPr lang="en-US" dirty="0" err="1">
+                <a:solidFill>
+                  <a:srgbClr val="FF0000"/>
+                </a:solidFill>
+                <a:ea typeface="+mn-lt"/>
+                <a:cs typeface="+mn-lt"/>
+              </a:rPr>
+              <a:t>todo</a:t>
+            </a:r>
+            <a:r>
+              <a:rPr lang="en-US" dirty="0">
+                <a:ea typeface="+mn-lt"/>
+                <a:cs typeface="+mn-lt"/>
+              </a:rPr>
+              <a:t>)</a:t>
+            </a:r>
+            <a:endParaRPr lang="en-US" dirty="0">
+              <a:solidFill>
+                <a:srgbClr val="FF0000"/>
+              </a:solidFill>
+              <a:ea typeface="+mn-lt"/>
+              <a:cs typeface="+mn-lt"/>
+            </a:endParaRPr>
+          </a:p>
+          <a:p>
+            <a:pPr lvl="1"/>
+            <a:r>
+              <a:rPr lang="en-US" dirty="0">
+                <a:solidFill>
+                  <a:srgbClr val="000000"/>
+                </a:solidFill>
+                <a:cs typeface="Calibri"/>
+              </a:rPr>
+              <a:t>Ensure code runs on simulated bench -- </a:t>
+            </a:r>
+            <a:r>
+              <a:rPr lang="en-US" dirty="0" err="1">
+                <a:solidFill>
+                  <a:srgbClr val="FF0000"/>
+                </a:solidFill>
+                <a:cs typeface="Calibri"/>
+              </a:rPr>
+              <a:t>todo</a:t>
+            </a:r>
+            <a:endParaRPr lang="en-US">
+              <a:solidFill>
+                <a:srgbClr val="FF0000"/>
+              </a:solidFill>
+              <a:cs typeface="Calibri"/>
+            </a:endParaRPr>
+          </a:p>
+          <a:p>
+            <a:pPr lvl="1"/>
+            <a:r>
+              <a:rPr lang="en-US">
+                <a:solidFill>
+                  <a:srgbClr val="000000"/>
+                </a:solidFill>
+                <a:cs typeface="Calibri"/>
+              </a:rPr>
+              <a:t>Ensure code runs despite potential specified data outages -- </a:t>
+            </a:r>
+            <a:r>
+              <a:rPr lang="en-US" err="1">
+                <a:solidFill>
+                  <a:srgbClr val="FF0000"/>
+                </a:solidFill>
+                <a:cs typeface="Calibri"/>
+              </a:rPr>
+              <a:t>todo</a:t>
+            </a:r>
+            <a:endParaRPr lang="en-US">
+              <a:solidFill>
+                <a:srgbClr val="FF0000"/>
+              </a:solidFill>
+              <a:cs typeface="Calibri"/>
+            </a:endParaRPr>
+          </a:p>
+          <a:p>
+            <a:pPr lvl="1"/>
+            <a:r>
+              <a:rPr lang="en-US">
+                <a:ea typeface="+mn-lt"/>
+                <a:cs typeface="+mn-lt"/>
+              </a:rPr>
+              <a:t>Verify NASA accept pull request for XGBoost python package -- </a:t>
+            </a:r>
+            <a:r>
+              <a:rPr lang="en-US">
+                <a:solidFill>
+                  <a:srgbClr val="FF0000"/>
+                </a:solidFill>
+                <a:ea typeface="+mn-lt"/>
+                <a:cs typeface="+mn-lt"/>
+              </a:rPr>
+              <a:t>todo</a:t>
+            </a:r>
+            <a:endParaRPr lang="en-US" dirty="0">
+              <a:solidFill>
+                <a:srgbClr val="000000"/>
+              </a:solidFill>
+              <a:cs typeface="Calibri"/>
+            </a:endParaRPr>
+          </a:p>
+          <a:p>
+            <a:pPr lvl="1"/>
+            <a:r>
+              <a:rPr lang="en-US">
+                <a:solidFill>
+                  <a:srgbClr val="000000"/>
+                </a:solidFill>
+                <a:cs typeface="Calibri"/>
+              </a:rPr>
+              <a:t>Deploy (submit) to NASA for final verification – </a:t>
+            </a:r>
+            <a:r>
+              <a:rPr lang="en-US" dirty="0" err="1">
+                <a:solidFill>
+                  <a:srgbClr val="FF0000"/>
+                </a:solidFill>
+                <a:cs typeface="Calibri"/>
+              </a:rPr>
+              <a:t>todo</a:t>
+            </a:r>
+            <a:endParaRPr lang="en-US">
+              <a:solidFill>
+                <a:srgbClr val="FF0000"/>
+              </a:solidFill>
+              <a:cs typeface="Calibri"/>
+            </a:endParaRPr>
+          </a:p>
+          <a:p>
+            <a:pPr lvl="1"/>
+            <a:endParaRPr lang="en-US" dirty="0">
+              <a:solidFill>
+                <a:srgbClr val="FF0000"/>
+              </a:solidFill>
+              <a:cs typeface="Calibri"/>
+            </a:endParaRPr>
+          </a:p>
+        </p:txBody>
+      </p:sp>
+    </p:spTree>
+    <p:extLst>
+      <p:ext uri="{BB962C8B-B14F-4D97-AF65-F5344CB8AC3E}">
+        <p14:creationId xmlns:p14="http://schemas.microsoft.com/office/powerpoint/2010/main" val="2468725149"/>
+      </p:ext>
+    </p:extLst>
+  </p:cSld>
+  <p:clrMapOvr>
+    <a:masterClrMapping/>
+  </p:clrMapOvr>
+</p:sld>
+</file>
+
+<file path=ppt/slides/slide15.xml><?xml version="1.0" encoding="utf-8"?>
+<p:sld xmlns:a="http://schemas.openxmlformats.org/drawingml/2006/main" xmlns:r="http://schemas.openxmlformats.org/officeDocument/2006/relationships" xmlns:p="http://schemas.openxmlformats.org/presentationml/2006/main">
+  <p:cSld>
+    <p:spTree>
+      <p:nvGrpSpPr>
+        <p:cNvPr id="1" name=""/>
+        <p:cNvGrpSpPr/>
+        <p:nvPr/>
+      </p:nvGrpSpPr>
+      <p:grpSpPr>
+        <a:xfrm>
+          <a:off x="0" y="0"/>
+          <a:ext cx="0" cy="0"/>
+          <a:chOff x="0" y="0"/>
+          <a:chExt cx="0" cy="0"/>
+        </a:xfrm>
+      </p:grpSpPr>
+      <p:sp>
+        <p:nvSpPr>
+          <p:cNvPr id="2" name="Title 1">
+            <a:extLst>
+              <a:ext uri="{FF2B5EF4-FFF2-40B4-BE49-F238E27FC236}">
+                <a16:creationId xmlns:a16="http://schemas.microsoft.com/office/drawing/2014/main" id="{C81F0502-0415-B4F2-FC11-280783E6EF60}"/>
+              </a:ext>
+            </a:extLst>
+          </p:cNvPr>
+          <p:cNvSpPr>
+            <a:spLocks noGrp="1"/>
+          </p:cNvSpPr>
+          <p:nvPr>
+            <p:ph type="title"/>
+          </p:nvPr>
+        </p:nvSpPr>
+        <p:spPr>
+          <a:xfrm>
+            <a:off x="838200" y="2764987"/>
+            <a:ext cx="10515600" cy="1325563"/>
+          </a:xfrm>
+        </p:spPr>
+        <p:txBody>
+          <a:bodyPr/>
+          <a:lstStyle/>
+          <a:p>
+            <a:r>
+              <a:rPr lang="en-US" dirty="0">
+                <a:cs typeface="Calibri Light"/>
+              </a:rPr>
+              <a:t>Current progress – Last Updated April 21 2022 (</a:t>
+            </a:r>
+            <a:r>
+              <a:rPr lang="en-US" u="sng" dirty="0">
+                <a:cs typeface="Calibri Light"/>
+              </a:rPr>
+              <a:t>1</a:t>
+            </a:r>
+            <a:r>
+              <a:rPr lang="en-US" dirty="0">
+                <a:cs typeface="Calibri Light"/>
+              </a:rPr>
+              <a:t> days from competition due date)</a:t>
+            </a:r>
+            <a:endParaRPr lang="en-US" dirty="0"/>
+          </a:p>
+        </p:txBody>
+      </p:sp>
+    </p:spTree>
+    <p:extLst>
+      <p:ext uri="{BB962C8B-B14F-4D97-AF65-F5344CB8AC3E}">
+        <p14:creationId xmlns:p14="http://schemas.microsoft.com/office/powerpoint/2010/main" val="109623841"/>
+      </p:ext>
+    </p:extLst>
+  </p:cSld>
+  <p:clrMapOvr>
+    <a:masterClrMapping/>
+  </p:clrMapOvr>
+</p:sld>
+</file>
+
+<file path=ppt/slides/slide16.xml><?xml version="1.0" encoding="utf-8"?>
+<p:sld xmlns:a="http://schemas.openxmlformats.org/drawingml/2006/main" xmlns:r="http://schemas.openxmlformats.org/officeDocument/2006/relationships" xmlns:p="http://schemas.openxmlformats.org/presentationml/2006/main">
+  <p:cSld>
+    <p:spTree>
+      <p:nvGrpSpPr>
+        <p:cNvPr id="1" name=""/>
+        <p:cNvGrpSpPr/>
+        <p:nvPr/>
+      </p:nvGrpSpPr>
+      <p:grpSpPr>
+        <a:xfrm>
+          <a:off x="0" y="0"/>
+          <a:ext cx="0" cy="0"/>
+          <a:chOff x="0" y="0"/>
+          <a:chExt cx="0" cy="0"/>
+        </a:xfrm>
+      </p:grpSpPr>
+      <p:sp>
+        <p:nvSpPr>
+          <p:cNvPr id="2" name="Title 1">
+            <a:extLst>
+              <a:ext uri="{FF2B5EF4-FFF2-40B4-BE49-F238E27FC236}">
+                <a16:creationId xmlns:a16="http://schemas.microsoft.com/office/drawing/2014/main" id="{A11434E0-DCD0-4616-A762-7A21BEA6A9F8}"/>
+              </a:ext>
+            </a:extLst>
+          </p:cNvPr>
+          <p:cNvSpPr>
+            <a:spLocks noGrp="1"/>
+          </p:cNvSpPr>
+          <p:nvPr>
+            <p:ph type="title"/>
+          </p:nvPr>
+        </p:nvSpPr>
+        <p:spPr/>
+        <p:txBody>
+          <a:bodyPr/>
+          <a:lstStyle/>
+          <a:p>
+            <a:r>
+              <a:rPr lang="en-US" dirty="0">
+                <a:cs typeface="Calibri Light"/>
+              </a:rPr>
+              <a:t>Current training architecture</a:t>
+            </a:r>
+            <a:endParaRPr lang="en-US" dirty="0"/>
+          </a:p>
+        </p:txBody>
+      </p:sp>
+      <p:pic>
+        <p:nvPicPr>
+          <p:cNvPr id="4" name="Picture 4">
+            <a:extLst>
+              <a:ext uri="{FF2B5EF4-FFF2-40B4-BE49-F238E27FC236}">
+                <a16:creationId xmlns:a16="http://schemas.microsoft.com/office/drawing/2014/main" id="{72FB475B-8539-EEB4-C252-C0D3B4EA6A9A}"/>
+              </a:ext>
+            </a:extLst>
+          </p:cNvPr>
+          <p:cNvPicPr>
+            <a:picLocks noGrp="1" noChangeAspect="1"/>
+          </p:cNvPicPr>
+          <p:nvPr>
+            <p:ph idx="1"/>
+          </p:nvPr>
+        </p:nvPicPr>
+        <p:blipFill>
+          <a:blip r:embed="rId2"/>
+          <a:stretch>
+            <a:fillRect/>
+          </a:stretch>
+        </p:blipFill>
+        <p:spPr>
+          <a:xfrm>
+            <a:off x="2597550" y="1825625"/>
+            <a:ext cx="6996900" cy="4351338"/>
+          </a:xfrm>
+        </p:spPr>
+      </p:pic>
+    </p:spTree>
+    <p:extLst>
+      <p:ext uri="{BB962C8B-B14F-4D97-AF65-F5344CB8AC3E}">
+        <p14:creationId xmlns:p14="http://schemas.microsoft.com/office/powerpoint/2010/main" val="1345236405"/>
+      </p:ext>
+    </p:extLst>
+  </p:cSld>
+  <p:clrMapOvr>
+    <a:masterClrMapping/>
+  </p:clrMapOvr>
+</p:sld>
+</file>
+
+<file path=ppt/slides/slide17.xml><?xml version="1.0" encoding="utf-8"?>
+<p:sld xmlns:a="http://schemas.openxmlformats.org/drawingml/2006/main" xmlns:r="http://schemas.openxmlformats.org/officeDocument/2006/relationships" xmlns:p="http://schemas.openxmlformats.org/presentationml/2006/main">
+  <p:cSld>
+    <p:spTree>
+      <p:nvGrpSpPr>
+        <p:cNvPr id="1" name=""/>
+        <p:cNvGrpSpPr/>
+        <p:nvPr/>
+      </p:nvGrpSpPr>
+      <p:grpSpPr>
+        <a:xfrm>
+          <a:off x="0" y="0"/>
+          <a:ext cx="0" cy="0"/>
+          <a:chOff x="0" y="0"/>
+          <a:chExt cx="0" cy="0"/>
+        </a:xfrm>
+      </p:grpSpPr>
+      <p:sp>
+        <p:nvSpPr>
+          <p:cNvPr id="2" name="Title 1">
+            <a:extLst>
+              <a:ext uri="{FF2B5EF4-FFF2-40B4-BE49-F238E27FC236}">
+                <a16:creationId xmlns:a16="http://schemas.microsoft.com/office/drawing/2014/main" id="{680B501D-6BE6-733A-CAE9-EA2F3289261D}"/>
+              </a:ext>
+            </a:extLst>
+          </p:cNvPr>
+          <p:cNvSpPr>
+            <a:spLocks noGrp="1"/>
+          </p:cNvSpPr>
+          <p:nvPr>
+            <p:ph type="title"/>
+          </p:nvPr>
+        </p:nvSpPr>
+        <p:spPr/>
+        <p:txBody>
+          <a:bodyPr/>
+          <a:lstStyle/>
+          <a:p>
+            <a:r>
+              <a:rPr lang="en-US" dirty="0">
+                <a:cs typeface="Calibri Light"/>
+              </a:rPr>
+              <a:t>Current testing architecture</a:t>
+            </a:r>
+            <a:endParaRPr lang="en-US" dirty="0"/>
+          </a:p>
+        </p:txBody>
+      </p:sp>
+      <p:pic>
+        <p:nvPicPr>
+          <p:cNvPr id="4" name="Picture 4" descr="Diagram&#10;&#10;Description automatically generated">
+            <a:extLst>
+              <a:ext uri="{FF2B5EF4-FFF2-40B4-BE49-F238E27FC236}">
+                <a16:creationId xmlns:a16="http://schemas.microsoft.com/office/drawing/2014/main" id="{07F32F29-ECA5-952B-8503-A9FEBBC46F3F}"/>
+              </a:ext>
+            </a:extLst>
+          </p:cNvPr>
+          <p:cNvPicPr>
+            <a:picLocks noGrp="1" noChangeAspect="1"/>
+          </p:cNvPicPr>
+          <p:nvPr>
+            <p:ph idx="1"/>
+          </p:nvPr>
+        </p:nvPicPr>
+        <p:blipFill>
+          <a:blip r:embed="rId2"/>
+          <a:stretch>
+            <a:fillRect/>
+          </a:stretch>
+        </p:blipFill>
+        <p:spPr>
+          <a:xfrm>
+            <a:off x="1890840" y="1825625"/>
+            <a:ext cx="8410320" cy="4351338"/>
+          </a:xfrm>
+        </p:spPr>
+      </p:pic>
+    </p:spTree>
+    <p:extLst>
+      <p:ext uri="{BB962C8B-B14F-4D97-AF65-F5344CB8AC3E}">
+        <p14:creationId xmlns:p14="http://schemas.microsoft.com/office/powerpoint/2010/main" val="2577308731"/>
+      </p:ext>
+    </p:extLst>
+  </p:cSld>
+  <p:clrMapOvr>
+    <a:masterClrMapping/>
+  </p:clrMapOvr>
+</p:sld>
+</file>
+
+<file path=ppt/slides/slide18.xml><?xml version="1.0" encoding="utf-8"?>
+<p:sld xmlns:a="http://schemas.openxmlformats.org/drawingml/2006/main" xmlns:r="http://schemas.openxmlformats.org/officeDocument/2006/relationships" xmlns:p="http://schemas.openxmlformats.org/presentationml/2006/main">
+  <p:cSld>
+    <p:spTree>
+      <p:nvGrpSpPr>
+        <p:cNvPr id="1" name=""/>
+        <p:cNvGrpSpPr/>
+        <p:nvPr/>
+      </p:nvGrpSpPr>
+      <p:grpSpPr>
+        <a:xfrm>
+          <a:off x="0" y="0"/>
+          <a:ext cx="0" cy="0"/>
+          <a:chOff x="0" y="0"/>
+          <a:chExt cx="0" cy="0"/>
+        </a:xfrm>
+      </p:grpSpPr>
+      <p:sp>
+        <p:nvSpPr>
+          <p:cNvPr id="2" name="Title 1">
+            <a:extLst>
+              <a:ext uri="{FF2B5EF4-FFF2-40B4-BE49-F238E27FC236}">
+                <a16:creationId xmlns:a16="http://schemas.microsoft.com/office/drawing/2014/main" id="{6745647D-7D22-5795-4653-2F86DC989285}"/>
+              </a:ext>
+            </a:extLst>
+          </p:cNvPr>
+          <p:cNvSpPr>
+            <a:spLocks noGrp="1"/>
+          </p:cNvSpPr>
+          <p:nvPr>
+            <p:ph type="title"/>
+          </p:nvPr>
+        </p:nvSpPr>
+        <p:spPr/>
+        <p:txBody>
+          <a:bodyPr/>
+          <a:lstStyle/>
+          <a:p>
+            <a:r>
+              <a:rPr lang="en-US" dirty="0"/>
+              <a:t>Tried</a:t>
+            </a:r>
+          </a:p>
+        </p:txBody>
+      </p:sp>
+      <p:sp>
+        <p:nvSpPr>
+          <p:cNvPr id="3" name="Content Placeholder 2">
+            <a:extLst>
+              <a:ext uri="{FF2B5EF4-FFF2-40B4-BE49-F238E27FC236}">
+                <a16:creationId xmlns:a16="http://schemas.microsoft.com/office/drawing/2014/main" id="{B0FC19EE-CB04-335E-F52C-FB2CB830C489}"/>
+              </a:ext>
+            </a:extLst>
+          </p:cNvPr>
+          <p:cNvSpPr>
+            <a:spLocks noGrp="1"/>
+          </p:cNvSpPr>
+          <p:nvPr>
+            <p:ph idx="1"/>
+          </p:nvPr>
+        </p:nvSpPr>
+        <p:spPr/>
+        <p:txBody>
+          <a:bodyPr/>
+          <a:lstStyle/>
+          <a:p>
+            <a:r>
+              <a:rPr lang="en-US" dirty="0"/>
+              <a:t>Tested temporal decay (not very good</a:t>
+            </a:r>
+          </a:p>
+          <a:p>
+            <a:r>
+              <a:rPr lang="en-US" dirty="0"/>
+              <a:t>Added term for classes not in training data</a:t>
+            </a:r>
+          </a:p>
+        </p:txBody>
+      </p:sp>
+    </p:spTree>
+    <p:extLst>
+      <p:ext uri="{BB962C8B-B14F-4D97-AF65-F5344CB8AC3E}">
+        <p14:creationId xmlns:p14="http://schemas.microsoft.com/office/powerpoint/2010/main" val="1313724841"/>
+      </p:ext>
+    </p:extLst>
+  </p:cSld>
+  <p:clrMapOvr>
+    <a:masterClrMapping/>
+  </p:clrMapOvr>
+</p:sld>
+</file>
+
+<file path=ppt/slides/slide19.xml><?xml version="1.0" encoding="utf-8"?>
+<p:sld xmlns:a="http://schemas.openxmlformats.org/drawingml/2006/main" xmlns:r="http://schemas.openxmlformats.org/officeDocument/2006/relationships" xmlns:p="http://schemas.openxmlformats.org/presentationml/2006/main">
+  <p:cSld>
+    <p:spTree>
+      <p:nvGrpSpPr>
+        <p:cNvPr id="1" name=""/>
+        <p:cNvGrpSpPr/>
+        <p:nvPr/>
+      </p:nvGrpSpPr>
+      <p:grpSpPr>
+        <a:xfrm>
+          <a:off x="0" y="0"/>
+          <a:ext cx="0" cy="0"/>
+          <a:chOff x="0" y="0"/>
+          <a:chExt cx="0" cy="0"/>
+        </a:xfrm>
+      </p:grpSpPr>
+      <p:sp>
+        <p:nvSpPr>
+          <p:cNvPr id="2" name="Title 1">
+            <a:extLst>
+              <a:ext uri="{FF2B5EF4-FFF2-40B4-BE49-F238E27FC236}">
+                <a16:creationId xmlns:a16="http://schemas.microsoft.com/office/drawing/2014/main" id="{D5A092CC-E21F-CD91-36D1-86EBE3CC6D4B}"/>
+              </a:ext>
+            </a:extLst>
+          </p:cNvPr>
+          <p:cNvSpPr>
+            <a:spLocks noGrp="1"/>
+          </p:cNvSpPr>
+          <p:nvPr>
+            <p:ph type="title"/>
+          </p:nvPr>
+        </p:nvSpPr>
+        <p:spPr/>
+        <p:txBody>
+          <a:bodyPr/>
+          <a:lstStyle/>
+          <a:p>
+            <a:r>
+              <a:rPr lang="en-US" dirty="0">
+                <a:cs typeface="Calibri Light"/>
+              </a:rPr>
+              <a:t>Tasks – last updated April 2</a:t>
+            </a:r>
+            <a:endParaRPr lang="en-US" dirty="0"/>
+          </a:p>
+        </p:txBody>
+      </p:sp>
+      <p:sp>
+        <p:nvSpPr>
+          <p:cNvPr id="3" name="Content Placeholder 2">
+            <a:extLst>
+              <a:ext uri="{FF2B5EF4-FFF2-40B4-BE49-F238E27FC236}">
+                <a16:creationId xmlns:a16="http://schemas.microsoft.com/office/drawing/2014/main" id="{663F2C10-F747-2F1B-D1BC-6F8916E9FEC1}"/>
+              </a:ext>
+            </a:extLst>
+          </p:cNvPr>
+          <p:cNvSpPr>
+            <a:spLocks noGrp="1"/>
+          </p:cNvSpPr>
+          <p:nvPr>
+            <p:ph idx="1"/>
+          </p:nvPr>
+        </p:nvSpPr>
+        <p:spPr/>
+        <p:txBody>
+          <a:bodyPr vert="horz" lIns="91440" tIns="45720" rIns="91440" bIns="45720" rtlCol="0" anchor="t">
+            <a:normAutofit fontScale="62500" lnSpcReduction="20000"/>
+          </a:bodyPr>
+          <a:lstStyle/>
+          <a:p>
+            <a:r>
+              <a:rPr lang="en-US" dirty="0">
+                <a:cs typeface="Calibri"/>
+              </a:rPr>
+              <a:t>Training (in progress):</a:t>
+            </a:r>
+          </a:p>
+          <a:p>
+            <a:pPr lvl="1"/>
+            <a:r>
+              <a:rPr lang="en-US" dirty="0">
+                <a:cs typeface="Calibri"/>
+              </a:rPr>
+              <a:t>Usage preprocess for aircraft departure and arrival data -- </a:t>
+            </a:r>
+            <a:r>
+              <a:rPr lang="en-US" dirty="0">
+                <a:solidFill>
+                  <a:srgbClr val="00B050"/>
+                </a:solidFill>
+                <a:cs typeface="Calibri"/>
+              </a:rPr>
+              <a:t>Complete</a:t>
+            </a:r>
+          </a:p>
+          <a:p>
+            <a:pPr lvl="1"/>
+            <a:r>
+              <a:rPr lang="en-US" dirty="0">
+                <a:cs typeface="Calibri"/>
+              </a:rPr>
+              <a:t>Preprocessing for Logistic Regression -- </a:t>
+            </a:r>
+            <a:r>
+              <a:rPr lang="en-US" dirty="0">
+                <a:solidFill>
+                  <a:srgbClr val="00B050"/>
+                </a:solidFill>
+                <a:cs typeface="Calibri"/>
+              </a:rPr>
+              <a:t>Complete </a:t>
+            </a:r>
+            <a:r>
+              <a:rPr lang="en-US" dirty="0">
+                <a:cs typeface="Calibri"/>
+              </a:rPr>
+              <a:t>(</a:t>
+            </a:r>
+            <a:r>
+              <a:rPr lang="en-US" dirty="0">
+                <a:solidFill>
+                  <a:srgbClr val="00B050"/>
+                </a:solidFill>
+                <a:cs typeface="Calibri"/>
+              </a:rPr>
+              <a:t>Complete</a:t>
+            </a:r>
+            <a:r>
+              <a:rPr lang="en-US" dirty="0">
+                <a:cs typeface="Calibri"/>
+              </a:rPr>
+              <a:t>: implement </a:t>
+            </a:r>
+            <a:r>
+              <a:rPr lang="en-US" dirty="0" err="1">
+                <a:cs typeface="Calibri"/>
+              </a:rPr>
+              <a:t>Lyod</a:t>
+            </a:r>
+            <a:r>
+              <a:rPr lang="en-US" dirty="0">
+                <a:cs typeface="Calibri"/>
+              </a:rPr>
+              <a:t> White </a:t>
+            </a:r>
+            <a:r>
+              <a:rPr lang="en-US" dirty="0" err="1">
+                <a:cs typeface="Calibri"/>
+              </a:rPr>
+              <a:t>sin_cos</a:t>
+            </a:r>
+            <a:r>
+              <a:rPr lang="en-US" dirty="0">
+                <a:cs typeface="Calibri"/>
+              </a:rPr>
+              <a:t> approach for </a:t>
+            </a:r>
+            <a:r>
+              <a:rPr lang="en-US" dirty="0" err="1">
+                <a:cs typeface="Calibri"/>
+              </a:rPr>
+              <a:t>wind_direction</a:t>
+            </a:r>
+            <a:r>
+              <a:rPr lang="en-US" dirty="0">
+                <a:cs typeface="Calibri"/>
+              </a:rPr>
+              <a:t> angles: 0 – 360 degrees is not linear as 0 == 360. Map to 2D using sin(x) cos(x))</a:t>
+            </a:r>
+          </a:p>
+          <a:p>
+            <a:pPr lvl="1"/>
+            <a:r>
+              <a:rPr lang="en-US" dirty="0">
+                <a:cs typeface="Calibri"/>
+              </a:rPr>
+              <a:t>Logistic Regression with Sci-kit learn – </a:t>
+            </a:r>
+            <a:r>
+              <a:rPr lang="en-US" dirty="0">
+                <a:solidFill>
+                  <a:srgbClr val="00B050"/>
+                </a:solidFill>
+                <a:cs typeface="Calibri"/>
+              </a:rPr>
+              <a:t>complete</a:t>
+            </a:r>
+            <a:r>
+              <a:rPr lang="en-US" dirty="0">
+                <a:solidFill>
+                  <a:srgbClr val="FFC000"/>
+                </a:solidFill>
+                <a:cs typeface="Calibri"/>
+              </a:rPr>
+              <a:t> </a:t>
+            </a:r>
+            <a:r>
+              <a:rPr lang="en-US" dirty="0">
+                <a:cs typeface="Calibri"/>
+              </a:rPr>
+              <a:t>(</a:t>
+            </a:r>
+            <a:r>
+              <a:rPr lang="en-US" dirty="0" err="1">
+                <a:cs typeface="Calibri"/>
+              </a:rPr>
+              <a:t>testing+debugging</a:t>
+            </a:r>
+            <a:r>
+              <a:rPr lang="en-US" dirty="0">
+                <a:cs typeface="Calibri"/>
+              </a:rPr>
+              <a:t>)</a:t>
+            </a:r>
+          </a:p>
+          <a:p>
+            <a:pPr lvl="2"/>
+            <a:r>
+              <a:rPr lang="en-US" dirty="0">
+                <a:cs typeface="Calibri"/>
+              </a:rPr>
+              <a:t>Standardize data to mean=1, variance=1 - </a:t>
+            </a:r>
+            <a:r>
+              <a:rPr lang="en-US" dirty="0">
+                <a:solidFill>
+                  <a:srgbClr val="00B050"/>
+                </a:solidFill>
+                <a:cs typeface="Calibri"/>
+              </a:rPr>
+              <a:t>complete</a:t>
+            </a:r>
+          </a:p>
+          <a:p>
+            <a:pPr lvl="2"/>
+            <a:r>
+              <a:rPr lang="en-US" dirty="0">
+                <a:cs typeface="Calibri"/>
+              </a:rPr>
+              <a:t>Upweight May and June datapoints during training </a:t>
+            </a:r>
+            <a:r>
+              <a:rPr lang="en-US" dirty="0">
+                <a:cs typeface="Calibri"/>
+                <a:sym typeface="Wingdings" pitchFamily="2" charset="2"/>
+              </a:rPr>
+              <a:t> 1/6</a:t>
+            </a:r>
+            <a:r>
+              <a:rPr lang="en-US" baseline="30000" dirty="0">
+                <a:cs typeface="Calibri"/>
+                <a:sym typeface="Wingdings" pitchFamily="2" charset="2"/>
+              </a:rPr>
+              <a:t>th</a:t>
+            </a:r>
+            <a:r>
+              <a:rPr lang="en-US" dirty="0">
+                <a:cs typeface="Calibri"/>
+                <a:sym typeface="Wingdings" pitchFamily="2" charset="2"/>
+              </a:rPr>
+              <a:t> data accounts 4/9 of the weights, the rest 5/6</a:t>
+            </a:r>
+            <a:r>
+              <a:rPr lang="en-US" baseline="30000" dirty="0">
+                <a:cs typeface="Calibri"/>
+                <a:sym typeface="Wingdings" pitchFamily="2" charset="2"/>
+              </a:rPr>
+              <a:t>th</a:t>
+            </a:r>
+            <a:r>
+              <a:rPr lang="en-US" dirty="0">
+                <a:cs typeface="Calibri"/>
+                <a:sym typeface="Wingdings" pitchFamily="2" charset="2"/>
+              </a:rPr>
+              <a:t> accounts 5/9 - </a:t>
+            </a:r>
+            <a:r>
+              <a:rPr lang="en-US" dirty="0">
+                <a:solidFill>
+                  <a:srgbClr val="00B050"/>
+                </a:solidFill>
+                <a:cs typeface="Calibri"/>
+                <a:sym typeface="Wingdings" pitchFamily="2" charset="2"/>
+              </a:rPr>
+              <a:t>complete</a:t>
+            </a:r>
+            <a:endParaRPr lang="en-US" dirty="0">
+              <a:cs typeface="Calibri"/>
+              <a:sym typeface="Wingdings" pitchFamily="2" charset="2"/>
+            </a:endParaRPr>
+          </a:p>
+          <a:p>
+            <a:pPr lvl="2"/>
+            <a:r>
+              <a:rPr lang="en-US" dirty="0">
+                <a:cs typeface="Calibri"/>
+              </a:rPr>
+              <a:t>Hyperparameter training on temporal data, add term for classes not in training data - </a:t>
+            </a:r>
+            <a:r>
+              <a:rPr lang="en-US" dirty="0">
+                <a:solidFill>
+                  <a:srgbClr val="00B050"/>
+                </a:solidFill>
+                <a:cs typeface="Calibri"/>
+              </a:rPr>
+              <a:t>complete</a:t>
+            </a:r>
+            <a:endParaRPr lang="en-US" dirty="0">
+              <a:cs typeface="Calibri"/>
+            </a:endParaRPr>
+          </a:p>
+          <a:p>
+            <a:pPr lvl="1"/>
+            <a:r>
+              <a:rPr lang="en-US" dirty="0" err="1">
+                <a:cs typeface="Calibri"/>
+              </a:rPr>
+              <a:t>XGBoosting</a:t>
+            </a:r>
+            <a:r>
+              <a:rPr lang="en-US" dirty="0">
+                <a:cs typeface="Calibri"/>
+              </a:rPr>
+              <a:t> – </a:t>
+            </a:r>
+            <a:r>
+              <a:rPr lang="en-US" dirty="0" err="1">
+                <a:solidFill>
+                  <a:srgbClr val="00B050"/>
+                </a:solidFill>
+                <a:cs typeface="Calibri"/>
+              </a:rPr>
+              <a:t>todo</a:t>
+            </a:r>
+            <a:r>
+              <a:rPr lang="en-US" dirty="0">
+                <a:solidFill>
+                  <a:srgbClr val="00B050"/>
+                </a:solidFill>
+                <a:cs typeface="Calibri"/>
+              </a:rPr>
+              <a:t> </a:t>
+            </a:r>
+            <a:r>
+              <a:rPr lang="en-US" dirty="0">
+                <a:cs typeface="Calibri"/>
+              </a:rPr>
+              <a:t>(prone to overfitting: discarded, use Logistic regression instead</a:t>
+            </a:r>
+          </a:p>
+          <a:p>
+            <a:pPr lvl="2"/>
+            <a:r>
+              <a:rPr lang="en-US" dirty="0">
+                <a:ea typeface="+mn-lt"/>
+                <a:cs typeface="+mn-lt"/>
+              </a:rPr>
+              <a:t>Submit request for </a:t>
+            </a:r>
+            <a:r>
+              <a:rPr lang="en-US" dirty="0" err="1">
+                <a:ea typeface="+mn-lt"/>
+                <a:cs typeface="+mn-lt"/>
+              </a:rPr>
+              <a:t>XGBoost</a:t>
+            </a:r>
+            <a:r>
+              <a:rPr lang="en-US" dirty="0">
+                <a:ea typeface="+mn-lt"/>
+                <a:cs typeface="+mn-lt"/>
+              </a:rPr>
+              <a:t> python package to NASA – </a:t>
+            </a:r>
+            <a:r>
+              <a:rPr lang="en-US" dirty="0" err="1">
+                <a:solidFill>
+                  <a:srgbClr val="00B050"/>
+                </a:solidFill>
+                <a:ea typeface="+mn-lt"/>
+                <a:cs typeface="+mn-lt"/>
+              </a:rPr>
+              <a:t>todo</a:t>
+            </a:r>
+            <a:r>
+              <a:rPr lang="en-US" dirty="0">
+                <a:solidFill>
+                  <a:srgbClr val="00B050"/>
+                </a:solidFill>
+                <a:ea typeface="+mn-lt"/>
+                <a:cs typeface="+mn-lt"/>
+              </a:rPr>
+              <a:t> </a:t>
+            </a:r>
+            <a:r>
+              <a:rPr lang="en-US" dirty="0">
+                <a:ea typeface="+mn-lt"/>
+                <a:cs typeface="+mn-lt"/>
+              </a:rPr>
+              <a:t>(used scikit learn gradient boosting instead)</a:t>
+            </a:r>
+            <a:endParaRPr lang="en-US" dirty="0">
+              <a:solidFill>
+                <a:srgbClr val="00B050"/>
+              </a:solidFill>
+              <a:cs typeface="Calibri"/>
+            </a:endParaRPr>
+          </a:p>
+          <a:p>
+            <a:r>
+              <a:rPr lang="en-US" dirty="0">
+                <a:cs typeface="Calibri"/>
+              </a:rPr>
+              <a:t>Testing (</a:t>
+            </a:r>
+            <a:r>
+              <a:rPr lang="en-US" dirty="0">
+                <a:solidFill>
+                  <a:srgbClr val="00B050"/>
+                </a:solidFill>
+                <a:cs typeface="Calibri"/>
+              </a:rPr>
+              <a:t>complete</a:t>
+            </a:r>
+            <a:r>
+              <a:rPr lang="en-US" dirty="0">
+                <a:cs typeface="Calibri"/>
+              </a:rPr>
+              <a:t>)</a:t>
+            </a:r>
+          </a:p>
+          <a:p>
+            <a:pPr lvl="1"/>
+            <a:r>
+              <a:rPr lang="en-US" dirty="0">
+                <a:cs typeface="Calibri"/>
+              </a:rPr>
+              <a:t>Usage preprocess for aircraft departure and arrival – </a:t>
+            </a:r>
+            <a:r>
+              <a:rPr lang="en-US" dirty="0">
+                <a:solidFill>
+                  <a:srgbClr val="00B050"/>
+                </a:solidFill>
+                <a:cs typeface="Calibri"/>
+              </a:rPr>
+              <a:t>complete</a:t>
+            </a:r>
+          </a:p>
+          <a:p>
+            <a:pPr lvl="1"/>
+            <a:r>
+              <a:rPr lang="en-US" dirty="0">
+                <a:cs typeface="Calibri"/>
+              </a:rPr>
+              <a:t>Preprocess for model fitting – </a:t>
+            </a:r>
+            <a:r>
+              <a:rPr lang="en-US" dirty="0">
+                <a:solidFill>
+                  <a:srgbClr val="00B050"/>
+                </a:solidFill>
+                <a:cs typeface="Calibri"/>
+              </a:rPr>
+              <a:t>complete</a:t>
+            </a:r>
+          </a:p>
+          <a:p>
+            <a:pPr lvl="1"/>
+            <a:r>
+              <a:rPr lang="en-US" dirty="0">
+                <a:cs typeface="Calibri"/>
+              </a:rPr>
+              <a:t>Collect data and verification – </a:t>
+            </a:r>
+            <a:r>
+              <a:rPr lang="en-US" dirty="0" err="1">
+                <a:solidFill>
+                  <a:srgbClr val="00B050"/>
+                </a:solidFill>
+                <a:cs typeface="Calibri"/>
+              </a:rPr>
+              <a:t>todo</a:t>
+            </a:r>
+            <a:endParaRPr lang="en-US" dirty="0">
+              <a:solidFill>
+                <a:srgbClr val="00B050"/>
+              </a:solidFill>
+              <a:cs typeface="Calibri"/>
+            </a:endParaRPr>
+          </a:p>
+          <a:p>
+            <a:r>
+              <a:rPr lang="en-US" dirty="0">
+                <a:ea typeface="+mn-lt"/>
+                <a:cs typeface="+mn-lt"/>
+              </a:rPr>
+              <a:t>Deploy (</a:t>
+            </a:r>
+            <a:r>
+              <a:rPr lang="en-US" dirty="0">
+                <a:solidFill>
+                  <a:srgbClr val="00B050"/>
+                </a:solidFill>
+                <a:ea typeface="+mn-lt"/>
+                <a:cs typeface="+mn-lt"/>
+              </a:rPr>
+              <a:t>complete</a:t>
+            </a:r>
+            <a:r>
+              <a:rPr lang="en-US" dirty="0">
+                <a:ea typeface="+mn-lt"/>
+                <a:cs typeface="+mn-lt"/>
+              </a:rPr>
+              <a:t>)</a:t>
+            </a:r>
+            <a:endParaRPr lang="en-US" dirty="0">
+              <a:solidFill>
+                <a:srgbClr val="FF0000"/>
+              </a:solidFill>
+              <a:ea typeface="+mn-lt"/>
+              <a:cs typeface="+mn-lt"/>
+            </a:endParaRPr>
+          </a:p>
+          <a:p>
+            <a:pPr lvl="1"/>
+            <a:r>
+              <a:rPr lang="en-US" dirty="0">
+                <a:solidFill>
+                  <a:srgbClr val="000000"/>
+                </a:solidFill>
+                <a:cs typeface="Calibri"/>
+              </a:rPr>
+              <a:t>Ensure code runs on simulated bench -- </a:t>
+            </a:r>
+            <a:r>
+              <a:rPr lang="en-US" dirty="0">
+                <a:solidFill>
+                  <a:srgbClr val="00B050"/>
+                </a:solidFill>
+                <a:cs typeface="Calibri"/>
+              </a:rPr>
+              <a:t>complete</a:t>
+            </a:r>
+          </a:p>
+          <a:p>
+            <a:pPr lvl="1"/>
+            <a:r>
+              <a:rPr lang="en-US" dirty="0">
+                <a:solidFill>
+                  <a:srgbClr val="000000"/>
+                </a:solidFill>
+                <a:cs typeface="Calibri"/>
+              </a:rPr>
+              <a:t>Ensure code runs despite potential specified data outages -- </a:t>
+            </a:r>
+            <a:r>
+              <a:rPr lang="en-US" dirty="0">
+                <a:solidFill>
+                  <a:srgbClr val="00B050"/>
+                </a:solidFill>
+                <a:cs typeface="Calibri"/>
+              </a:rPr>
+              <a:t>complete</a:t>
+            </a:r>
+          </a:p>
+          <a:p>
+            <a:pPr lvl="1"/>
+            <a:r>
+              <a:rPr lang="en-US" dirty="0">
+                <a:ea typeface="+mn-lt"/>
+                <a:cs typeface="+mn-lt"/>
+              </a:rPr>
+              <a:t>Verify NASA accept pull request for </a:t>
+            </a:r>
+            <a:r>
+              <a:rPr lang="en-US" dirty="0" err="1">
+                <a:ea typeface="+mn-lt"/>
+                <a:cs typeface="+mn-lt"/>
+              </a:rPr>
+              <a:t>XGBoost</a:t>
+            </a:r>
+            <a:r>
+              <a:rPr lang="en-US" dirty="0">
+                <a:ea typeface="+mn-lt"/>
+                <a:cs typeface="+mn-lt"/>
+              </a:rPr>
+              <a:t> python package – </a:t>
+            </a:r>
+            <a:r>
+              <a:rPr lang="en-US" dirty="0" err="1">
+                <a:solidFill>
+                  <a:srgbClr val="FF0000"/>
+                </a:solidFill>
+                <a:ea typeface="+mn-lt"/>
+                <a:cs typeface="+mn-lt"/>
+              </a:rPr>
+              <a:t>disgarded</a:t>
+            </a:r>
+            <a:endParaRPr lang="en-US" dirty="0">
+              <a:solidFill>
+                <a:srgbClr val="000000"/>
+              </a:solidFill>
+              <a:cs typeface="Calibri"/>
+            </a:endParaRPr>
+          </a:p>
+          <a:p>
+            <a:pPr lvl="1"/>
+            <a:r>
+              <a:rPr lang="en-US" dirty="0">
+                <a:solidFill>
+                  <a:srgbClr val="000000"/>
+                </a:solidFill>
+                <a:cs typeface="Calibri"/>
+              </a:rPr>
+              <a:t>Deploy (submit) to NASA for final verification – </a:t>
+            </a:r>
+            <a:r>
+              <a:rPr lang="en-US" dirty="0">
+                <a:solidFill>
+                  <a:srgbClr val="00B050"/>
+                </a:solidFill>
+                <a:cs typeface="Calibri"/>
+              </a:rPr>
+              <a:t>complete</a:t>
+            </a:r>
+          </a:p>
+          <a:p>
+            <a:pPr lvl="1"/>
+            <a:endParaRPr lang="en-US" dirty="0">
+              <a:solidFill>
+                <a:srgbClr val="FF0000"/>
+              </a:solidFill>
+              <a:cs typeface="Calibri"/>
+            </a:endParaRPr>
+          </a:p>
+        </p:txBody>
+      </p:sp>
+    </p:spTree>
+    <p:extLst>
+      <p:ext uri="{BB962C8B-B14F-4D97-AF65-F5344CB8AC3E}">
+        <p14:creationId xmlns:p14="http://schemas.microsoft.com/office/powerpoint/2010/main" val="3582722995"/>
+      </p:ext>
+    </p:extLst>
+  </p:cSld>
+  <p:clrMapOvr>
+    <a:masterClrMapping/>
+  </p:clrMapOvr>
+</p:sld>
+</file>
+
 <file path=ppt/slides/slide2.xml><?xml version="1.0" encoding="utf-8"?>
 <p:sld xmlns:a="http://schemas.openxmlformats.org/drawingml/2006/main" xmlns:r="http://schemas.openxmlformats.org/officeDocument/2006/relationships" xmlns:p="http://schemas.openxmlformats.org/presentationml/2006/main">
   <p:cSld>
@@ -3507,7 +5315,7 @@
               <a:rPr lang="en-US" dirty="0">
                 <a:cs typeface="Calibri"/>
               </a:rPr>
-              <a:t>12 airports</a:t>
+              <a:t>10 airports</a:t>
             </a:r>
           </a:p>
           <a:p>
@@ -3582,6 +5390,253 @@
     <p:extLst>
       <p:ext uri="{BB962C8B-B14F-4D97-AF65-F5344CB8AC3E}">
         <p14:creationId xmlns:p14="http://schemas.microsoft.com/office/powerpoint/2010/main" val="2924779099"/>
+      </p:ext>
+    </p:extLst>
+  </p:cSld>
+  <p:clrMapOvr>
+    <a:masterClrMapping/>
+  </p:clrMapOvr>
+</p:sld>
+</file>
+
+<file path=ppt/slides/slide20.xml><?xml version="1.0" encoding="utf-8"?>
+<p:sld xmlns:a="http://schemas.openxmlformats.org/drawingml/2006/main" xmlns:r="http://schemas.openxmlformats.org/officeDocument/2006/relationships" xmlns:p="http://schemas.openxmlformats.org/presentationml/2006/main">
+  <p:cSld>
+    <p:spTree>
+      <p:nvGrpSpPr>
+        <p:cNvPr id="1" name=""/>
+        <p:cNvGrpSpPr/>
+        <p:nvPr/>
+      </p:nvGrpSpPr>
+      <p:grpSpPr>
+        <a:xfrm>
+          <a:off x="0" y="0"/>
+          <a:ext cx="0" cy="0"/>
+          <a:chOff x="0" y="0"/>
+          <a:chExt cx="0" cy="0"/>
+        </a:xfrm>
+      </p:grpSpPr>
+      <p:sp>
+        <p:nvSpPr>
+          <p:cNvPr id="2" name="Title 1">
+            <a:extLst>
+              <a:ext uri="{FF2B5EF4-FFF2-40B4-BE49-F238E27FC236}">
+                <a16:creationId xmlns:a16="http://schemas.microsoft.com/office/drawing/2014/main" id="{213A1158-2488-56BB-6895-CF3D0762C39C}"/>
+              </a:ext>
+            </a:extLst>
+          </p:cNvPr>
+          <p:cNvSpPr>
+            <a:spLocks noGrp="1"/>
+          </p:cNvSpPr>
+          <p:nvPr>
+            <p:ph type="title"/>
+          </p:nvPr>
+        </p:nvSpPr>
+        <p:spPr/>
+        <p:txBody>
+          <a:bodyPr>
+            <a:normAutofit fontScale="90000"/>
+          </a:bodyPr>
+          <a:lstStyle/>
+          <a:p>
+            <a:r>
+              <a:rPr lang="en-US" dirty="0"/>
+              <a:t>Validation results (Logistic Regression) – temporally split off the last 1/4</a:t>
+            </a:r>
+            <a:r>
+              <a:rPr lang="en-US" baseline="30000" dirty="0"/>
+              <a:t>th</a:t>
+            </a:r>
+            <a:r>
+              <a:rPr lang="en-US" dirty="0"/>
+              <a:t> of the dataset</a:t>
+            </a:r>
+          </a:p>
+        </p:txBody>
+      </p:sp>
+      <p:sp>
+        <p:nvSpPr>
+          <p:cNvPr id="3" name="Content Placeholder 2">
+            <a:extLst>
+              <a:ext uri="{FF2B5EF4-FFF2-40B4-BE49-F238E27FC236}">
+                <a16:creationId xmlns:a16="http://schemas.microsoft.com/office/drawing/2014/main" id="{724CDE1F-352C-6274-9A18-17DF339F7763}"/>
+              </a:ext>
+            </a:extLst>
+          </p:cNvPr>
+          <p:cNvSpPr>
+            <a:spLocks noGrp="1"/>
+          </p:cNvSpPr>
+          <p:nvPr>
+            <p:ph idx="1"/>
+          </p:nvPr>
+        </p:nvSpPr>
+        <p:spPr/>
+        <p:txBody>
+          <a:bodyPr>
+            <a:normAutofit fontScale="77500" lnSpcReduction="20000"/>
+          </a:bodyPr>
+          <a:lstStyle/>
+          <a:p>
+            <a:r>
+              <a:rPr lang="en-US" dirty="0"/>
+              <a:t>Baseline (C=2) mean score = .1</a:t>
+            </a:r>
+          </a:p>
+          <a:p>
+            <a:r>
+              <a:rPr lang="en-US" dirty="0"/>
+              <a:t>Baseline (C=1) mean score = .1</a:t>
+            </a:r>
+          </a:p>
+          <a:p>
+            <a:r>
+              <a:rPr lang="en-US" dirty="0"/>
+              <a:t>Baseline (C=.5) mean score: 0.09846897685474114</a:t>
+            </a:r>
+          </a:p>
+          <a:p>
+            <a:r>
+              <a:rPr lang="en-US" dirty="0"/>
+              <a:t>Baseline (C=.2) mean score = 0.09629876618410152</a:t>
+            </a:r>
+          </a:p>
+          <a:p>
+            <a:r>
+              <a:rPr lang="en-US" dirty="0"/>
+              <a:t>C=.1 mean score: 0.09482931040417467</a:t>
+            </a:r>
+          </a:p>
+          <a:p>
+            <a:r>
+              <a:rPr lang="en-US" dirty="0"/>
+              <a:t>C=.05 mean score: 0.09351667526087541</a:t>
+            </a:r>
+          </a:p>
+          <a:p>
+            <a:r>
+              <a:rPr lang="en-US" dirty="0"/>
+              <a:t>C=.025 mean score: 0.0923271718253887</a:t>
+            </a:r>
+          </a:p>
+          <a:p>
+            <a:r>
+              <a:rPr lang="en-US" dirty="0"/>
+              <a:t>C=.0125 mean score: 0.09138862781015332</a:t>
+            </a:r>
+          </a:p>
+          <a:p>
+            <a:r>
+              <a:rPr lang="en-US" dirty="0"/>
+              <a:t>C=.005 mean score .0090</a:t>
+            </a:r>
+          </a:p>
+          <a:p>
+            <a:r>
+              <a:rPr lang="en-US" dirty="0"/>
+              <a:t>C=.0025 mean score: 0.09058057530870296</a:t>
+            </a:r>
+          </a:p>
+          <a:p>
+            <a:r>
+              <a:rPr lang="en-US" b="1" dirty="0"/>
+              <a:t>C = .001 mean score: 0.09102370100469091 – final configuration used for competition</a:t>
+            </a:r>
+          </a:p>
+          <a:p>
+            <a:r>
+              <a:rPr lang="en-US" dirty="0"/>
+              <a:t>C = .0001 mean score: 0.09853771147536321</a:t>
+            </a:r>
+          </a:p>
+          <a:p>
+            <a:endParaRPr lang="en-US" dirty="0"/>
+          </a:p>
+        </p:txBody>
+      </p:sp>
+    </p:spTree>
+    <p:extLst>
+      <p:ext uri="{BB962C8B-B14F-4D97-AF65-F5344CB8AC3E}">
+        <p14:creationId xmlns:p14="http://schemas.microsoft.com/office/powerpoint/2010/main" val="2653112169"/>
+      </p:ext>
+    </p:extLst>
+  </p:cSld>
+  <p:clrMapOvr>
+    <a:masterClrMapping/>
+  </p:clrMapOvr>
+</p:sld>
+</file>
+
+<file path=ppt/slides/slide21.xml><?xml version="1.0" encoding="utf-8"?>
+<p:sld xmlns:a="http://schemas.openxmlformats.org/drawingml/2006/main" xmlns:r="http://schemas.openxmlformats.org/officeDocument/2006/relationships" xmlns:p="http://schemas.openxmlformats.org/presentationml/2006/main">
+  <p:cSld>
+    <p:spTree>
+      <p:nvGrpSpPr>
+        <p:cNvPr id="1" name=""/>
+        <p:cNvGrpSpPr/>
+        <p:nvPr/>
+      </p:nvGrpSpPr>
+      <p:grpSpPr>
+        <a:xfrm>
+          <a:off x="0" y="0"/>
+          <a:ext cx="0" cy="0"/>
+          <a:chOff x="0" y="0"/>
+          <a:chExt cx="0" cy="0"/>
+        </a:xfrm>
+      </p:grpSpPr>
+      <p:sp>
+        <p:nvSpPr>
+          <p:cNvPr id="2" name="Title 1">
+            <a:extLst>
+              <a:ext uri="{FF2B5EF4-FFF2-40B4-BE49-F238E27FC236}">
+                <a16:creationId xmlns:a16="http://schemas.microsoft.com/office/drawing/2014/main" id="{B3FA9A24-9650-19C5-BFF2-C4DF7BBB721A}"/>
+              </a:ext>
+            </a:extLst>
+          </p:cNvPr>
+          <p:cNvSpPr>
+            <a:spLocks noGrp="1"/>
+          </p:cNvSpPr>
+          <p:nvPr>
+            <p:ph type="title"/>
+          </p:nvPr>
+        </p:nvSpPr>
+        <p:spPr/>
+        <p:txBody>
+          <a:bodyPr/>
+          <a:lstStyle/>
+          <a:p>
+            <a:endParaRPr lang="en-US" dirty="0"/>
+          </a:p>
+        </p:txBody>
+      </p:sp>
+      <p:sp>
+        <p:nvSpPr>
+          <p:cNvPr id="3" name="Content Placeholder 2">
+            <a:extLst>
+              <a:ext uri="{FF2B5EF4-FFF2-40B4-BE49-F238E27FC236}">
+                <a16:creationId xmlns:a16="http://schemas.microsoft.com/office/drawing/2014/main" id="{D076CBB5-23C7-C5FA-49C3-C63C6FFFDFB4}"/>
+              </a:ext>
+            </a:extLst>
+          </p:cNvPr>
+          <p:cNvSpPr>
+            <a:spLocks noGrp="1"/>
+          </p:cNvSpPr>
+          <p:nvPr>
+            <p:ph idx="1"/>
+          </p:nvPr>
+        </p:nvSpPr>
+        <p:spPr/>
+        <p:txBody>
+          <a:bodyPr/>
+          <a:lstStyle/>
+          <a:p>
+            <a:endParaRPr lang="en-US"/>
+          </a:p>
+        </p:txBody>
+      </p:sp>
+    </p:spTree>
+    <p:extLst>
+      <p:ext uri="{BB962C8B-B14F-4D97-AF65-F5344CB8AC3E}">
+        <p14:creationId xmlns:p14="http://schemas.microsoft.com/office/powerpoint/2010/main" val="1546296079"/>
       </p:ext>
     </p:extLst>
   </p:cSld>
